--- a/LEAVE REQUEST MANAGEMENT SYSTEM.pptx
+++ b/LEAVE REQUEST MANAGEMENT SYSTEM.pptx
@@ -5,10 +5,10 @@
     <p:sldMasterId id="2147483648" r:id="rId4"/>
   </p:sldMasterIdLst>
   <p:notesMasterIdLst>
-    <p:notesMasterId r:id="rId11"/>
+    <p:notesMasterId r:id="rId15"/>
   </p:notesMasterIdLst>
   <p:handoutMasterIdLst>
-    <p:handoutMasterId r:id="rId12"/>
+    <p:handoutMasterId r:id="rId16"/>
   </p:handoutMasterIdLst>
   <p:sldIdLst>
     <p:sldId id="256" r:id="rId5"/>
@@ -16,7 +16,11 @@
     <p:sldId id="286" r:id="rId7"/>
     <p:sldId id="287" r:id="rId8"/>
     <p:sldId id="288" r:id="rId9"/>
-    <p:sldId id="269" r:id="rId10"/>
+    <p:sldId id="289" r:id="rId10"/>
+    <p:sldId id="290" r:id="rId11"/>
+    <p:sldId id="291" r:id="rId12"/>
+    <p:sldId id="292" r:id="rId13"/>
+    <p:sldId id="269" r:id="rId14"/>
   </p:sldIdLst>
   <p:sldSz cx="12192000" cy="6858000"/>
   <p:notesSz cx="6858000" cy="9144000"/>
@@ -137,12 +141,20 @@
 </p:presentation>
 </file>
 
+<file path=ppt/revisionInfo.xml><?xml version="1.0" encoding="utf-8"?>
+<p1510:revInfo xmlns:a="http://schemas.openxmlformats.org/drawingml/2006/main" xmlns:r="http://schemas.openxmlformats.org/officeDocument/2006/relationships" xmlns:p1510="http://schemas.microsoft.com/office/powerpoint/2015/10/main">
+  <p1510:revLst>
+    <p1510:client id="{7F981B76-B1FF-4AE2-9755-1D14FBD0FF6A}" v="4" dt="2025-12-17T09:21:29.775"/>
+  </p1510:revLst>
+</p1510:revInfo>
+</file>
+
 <file path=ppt/changesInfos/changesInfo1.xml><?xml version="1.0" encoding="utf-8"?>
 <pc:chgInfo xmlns:a="http://schemas.openxmlformats.org/drawingml/2006/main" xmlns:r="http://schemas.openxmlformats.org/officeDocument/2006/relationships" xmlns:ac="http://schemas.microsoft.com/office/drawing/2013/main/command" xmlns:pc="http://schemas.microsoft.com/office/powerpoint/2013/main/command">
   <pc:docChgLst>
     <pc:chgData name="Shiravale, Sahil (Cognizant)" userId="7994c84c-23f1-4e93-aa07-d94b261d8b9d" providerId="ADAL" clId="{BBB3D62B-DFDC-4FA4-BA03-20B2B3E22788}"/>
-    <pc:docChg chg="modSld">
-      <pc:chgData name="Shiravale, Sahil (Cognizant)" userId="7994c84c-23f1-4e93-aa07-d94b261d8b9d" providerId="ADAL" clId="{BBB3D62B-DFDC-4FA4-BA03-20B2B3E22788}" dt="2025-12-16T15:40:31.334" v="5" actId="1038"/>
+    <pc:docChg chg="undo custSel addSld modSld">
+      <pc:chgData name="Shiravale, Sahil (Cognizant)" userId="7994c84c-23f1-4e93-aa07-d94b261d8b9d" providerId="ADAL" clId="{BBB3D62B-DFDC-4FA4-BA03-20B2B3E22788}" dt="2025-12-17T09:34:31.589" v="590" actId="255"/>
       <pc:docMkLst>
         <pc:docMk/>
       </pc:docMkLst>
@@ -162,6 +174,21 @@
         </pc:spChg>
       </pc:sldChg>
       <pc:sldChg chg="modSp mod">
+        <pc:chgData name="Shiravale, Sahil (Cognizant)" userId="7994c84c-23f1-4e93-aa07-d94b261d8b9d" providerId="ADAL" clId="{BBB3D62B-DFDC-4FA4-BA03-20B2B3E22788}" dt="2025-12-17T09:34:31.589" v="590" actId="255"/>
+        <pc:sldMkLst>
+          <pc:docMk/>
+          <pc:sldMk cId="197516150" sldId="286"/>
+        </pc:sldMkLst>
+        <pc:spChg chg="mod">
+          <ac:chgData name="Shiravale, Sahil (Cognizant)" userId="7994c84c-23f1-4e93-aa07-d94b261d8b9d" providerId="ADAL" clId="{BBB3D62B-DFDC-4FA4-BA03-20B2B3E22788}" dt="2025-12-17T09:34:31.589" v="590" actId="255"/>
+          <ac:spMkLst>
+            <pc:docMk/>
+            <pc:sldMk cId="197516150" sldId="286"/>
+            <ac:spMk id="3" creationId="{57122F4D-6DBE-76E3-23C6-DA4863FAB806}"/>
+          </ac:spMkLst>
+        </pc:spChg>
+      </pc:sldChg>
+      <pc:sldChg chg="modSp mod">
         <pc:chgData name="Shiravale, Sahil (Cognizant)" userId="7994c84c-23f1-4e93-aa07-d94b261d8b9d" providerId="ADAL" clId="{BBB3D62B-DFDC-4FA4-BA03-20B2B3E22788}" dt="2025-12-16T15:40:31.334" v="5" actId="1038"/>
         <pc:sldMkLst>
           <pc:docMk/>
@@ -175,6 +202,138 @@
             <ac:spMk id="6" creationId="{0534C765-E0AE-5C2B-03AE-D061F071D644}"/>
           </ac:spMkLst>
         </pc:spChg>
+      </pc:sldChg>
+      <pc:sldChg chg="addSp delSp modSp add mod modClrScheme chgLayout">
+        <pc:chgData name="Shiravale, Sahil (Cognizant)" userId="7994c84c-23f1-4e93-aa07-d94b261d8b9d" providerId="ADAL" clId="{BBB3D62B-DFDC-4FA4-BA03-20B2B3E22788}" dt="2025-12-17T07:56:24.970" v="58" actId="1076"/>
+        <pc:sldMkLst>
+          <pc:docMk/>
+          <pc:sldMk cId="598161385" sldId="289"/>
+        </pc:sldMkLst>
+        <pc:spChg chg="mod">
+          <ac:chgData name="Shiravale, Sahil (Cognizant)" userId="7994c84c-23f1-4e93-aa07-d94b261d8b9d" providerId="ADAL" clId="{BBB3D62B-DFDC-4FA4-BA03-20B2B3E22788}" dt="2025-12-17T07:56:11.157" v="57" actId="26606"/>
+          <ac:spMkLst>
+            <pc:docMk/>
+            <pc:sldMk cId="598161385" sldId="289"/>
+            <ac:spMk id="2" creationId="{EBCE386B-D669-FBAA-377B-04F9F8F92324}"/>
+          </ac:spMkLst>
+        </pc:spChg>
+        <pc:spChg chg="mod">
+          <ac:chgData name="Shiravale, Sahil (Cognizant)" userId="7994c84c-23f1-4e93-aa07-d94b261d8b9d" providerId="ADAL" clId="{BBB3D62B-DFDC-4FA4-BA03-20B2B3E22788}" dt="2025-12-17T07:56:11.157" v="57" actId="26606"/>
+          <ac:spMkLst>
+            <pc:docMk/>
+            <pc:sldMk cId="598161385" sldId="289"/>
+            <ac:spMk id="4" creationId="{C7379DD5-B9E8-FEAA-AB63-B26D757F31F6}"/>
+          </ac:spMkLst>
+        </pc:spChg>
+        <pc:spChg chg="del">
+          <ac:chgData name="Shiravale, Sahil (Cognizant)" userId="7994c84c-23f1-4e93-aa07-d94b261d8b9d" providerId="ADAL" clId="{BBB3D62B-DFDC-4FA4-BA03-20B2B3E22788}" dt="2025-12-17T07:54:56.933" v="7" actId="21"/>
+          <ac:spMkLst>
+            <pc:docMk/>
+            <pc:sldMk cId="598161385" sldId="289"/>
+            <ac:spMk id="6" creationId="{35CE9C51-9138-4935-F05B-0EBD9C0A319B}"/>
+          </ac:spMkLst>
+        </pc:spChg>
+        <pc:picChg chg="add mod">
+          <ac:chgData name="Shiravale, Sahil (Cognizant)" userId="7994c84c-23f1-4e93-aa07-d94b261d8b9d" providerId="ADAL" clId="{BBB3D62B-DFDC-4FA4-BA03-20B2B3E22788}" dt="2025-12-17T07:56:24.970" v="58" actId="1076"/>
+          <ac:picMkLst>
+            <pc:docMk/>
+            <pc:sldMk cId="598161385" sldId="289"/>
+            <ac:picMk id="5" creationId="{7BFED2B1-5F4D-CF5C-5A4E-3480F54EC376}"/>
+          </ac:picMkLst>
+        </pc:picChg>
+      </pc:sldChg>
+      <pc:sldChg chg="addSp delSp modSp add mod">
+        <pc:chgData name="Shiravale, Sahil (Cognizant)" userId="7994c84c-23f1-4e93-aa07-d94b261d8b9d" providerId="ADAL" clId="{BBB3D62B-DFDC-4FA4-BA03-20B2B3E22788}" dt="2025-12-17T08:02:08.189" v="81" actId="1076"/>
+        <pc:sldMkLst>
+          <pc:docMk/>
+          <pc:sldMk cId="872466471" sldId="290"/>
+        </pc:sldMkLst>
+        <pc:spChg chg="mod">
+          <ac:chgData name="Shiravale, Sahil (Cognizant)" userId="7994c84c-23f1-4e93-aa07-d94b261d8b9d" providerId="ADAL" clId="{BBB3D62B-DFDC-4FA4-BA03-20B2B3E22788}" dt="2025-12-17T08:02:08.189" v="81" actId="1076"/>
+          <ac:spMkLst>
+            <pc:docMk/>
+            <pc:sldMk cId="872466471" sldId="290"/>
+            <ac:spMk id="4" creationId="{3F0859A1-3006-58D3-15FE-ACE3C00AB762}"/>
+          </ac:spMkLst>
+        </pc:spChg>
+        <pc:picChg chg="del">
+          <ac:chgData name="Shiravale, Sahil (Cognizant)" userId="7994c84c-23f1-4e93-aa07-d94b261d8b9d" providerId="ADAL" clId="{BBB3D62B-DFDC-4FA4-BA03-20B2B3E22788}" dt="2025-12-17T07:56:40.803" v="60" actId="478"/>
+          <ac:picMkLst>
+            <pc:docMk/>
+            <pc:sldMk cId="872466471" sldId="290"/>
+            <ac:picMk id="5" creationId="{5FBF27D7-33E6-3376-EF8E-A5863FD1C16F}"/>
+          </ac:picMkLst>
+        </pc:picChg>
+        <pc:picChg chg="add mod">
+          <ac:chgData name="Shiravale, Sahil (Cognizant)" userId="7994c84c-23f1-4e93-aa07-d94b261d8b9d" providerId="ADAL" clId="{BBB3D62B-DFDC-4FA4-BA03-20B2B3E22788}" dt="2025-12-17T07:57:36.574" v="80" actId="1076"/>
+          <ac:picMkLst>
+            <pc:docMk/>
+            <pc:sldMk cId="872466471" sldId="290"/>
+            <ac:picMk id="6" creationId="{06D59E00-5D98-18E9-FFE9-4D97D4F4F07E}"/>
+          </ac:picMkLst>
+        </pc:picChg>
+      </pc:sldChg>
+      <pc:sldChg chg="addSp delSp modSp add mod">
+        <pc:chgData name="Shiravale, Sahil (Cognizant)" userId="7994c84c-23f1-4e93-aa07-d94b261d8b9d" providerId="ADAL" clId="{BBB3D62B-DFDC-4FA4-BA03-20B2B3E22788}" dt="2025-12-17T08:42:38.881" v="104" actId="14100"/>
+        <pc:sldMkLst>
+          <pc:docMk/>
+          <pc:sldMk cId="70016874" sldId="291"/>
+        </pc:sldMkLst>
+        <pc:spChg chg="mod">
+          <ac:chgData name="Shiravale, Sahil (Cognizant)" userId="7994c84c-23f1-4e93-aa07-d94b261d8b9d" providerId="ADAL" clId="{BBB3D62B-DFDC-4FA4-BA03-20B2B3E22788}" dt="2025-12-17T08:15:26.801" v="100" actId="1076"/>
+          <ac:spMkLst>
+            <pc:docMk/>
+            <pc:sldMk cId="70016874" sldId="291"/>
+            <ac:spMk id="4" creationId="{9988F25D-B7C2-59FC-67D2-E1E5D607A0A9}"/>
+          </ac:spMkLst>
+        </pc:spChg>
+        <pc:picChg chg="add mod">
+          <ac:chgData name="Shiravale, Sahil (Cognizant)" userId="7994c84c-23f1-4e93-aa07-d94b261d8b9d" providerId="ADAL" clId="{BBB3D62B-DFDC-4FA4-BA03-20B2B3E22788}" dt="2025-12-17T08:42:38.881" v="104" actId="14100"/>
+          <ac:picMkLst>
+            <pc:docMk/>
+            <pc:sldMk cId="70016874" sldId="291"/>
+            <ac:picMk id="5" creationId="{D1DC67BB-EC39-AE02-A6F0-AE0EF5EC7735}"/>
+          </ac:picMkLst>
+        </pc:picChg>
+        <pc:picChg chg="del">
+          <ac:chgData name="Shiravale, Sahil (Cognizant)" userId="7994c84c-23f1-4e93-aa07-d94b261d8b9d" providerId="ADAL" clId="{BBB3D62B-DFDC-4FA4-BA03-20B2B3E22788}" dt="2025-12-17T08:15:09.186" v="83" actId="478"/>
+          <ac:picMkLst>
+            <pc:docMk/>
+            <pc:sldMk cId="70016874" sldId="291"/>
+            <ac:picMk id="6" creationId="{591E9856-58FA-6D3A-13A2-C880E9DD5A77}"/>
+          </ac:picMkLst>
+        </pc:picChg>
+      </pc:sldChg>
+      <pc:sldChg chg="addSp delSp modSp add mod">
+        <pc:chgData name="Shiravale, Sahil (Cognizant)" userId="7994c84c-23f1-4e93-aa07-d94b261d8b9d" providerId="ADAL" clId="{BBB3D62B-DFDC-4FA4-BA03-20B2B3E22788}" dt="2025-12-17T09:28:36.110" v="586" actId="113"/>
+        <pc:sldMkLst>
+          <pc:docMk/>
+          <pc:sldMk cId="1612075846" sldId="292"/>
+        </pc:sldMkLst>
+        <pc:spChg chg="add mod">
+          <ac:chgData name="Shiravale, Sahil (Cognizant)" userId="7994c84c-23f1-4e93-aa07-d94b261d8b9d" providerId="ADAL" clId="{BBB3D62B-DFDC-4FA4-BA03-20B2B3E22788}" dt="2025-12-17T09:28:36.110" v="586" actId="113"/>
+          <ac:spMkLst>
+            <pc:docMk/>
+            <pc:sldMk cId="1612075846" sldId="292"/>
+            <ac:spMk id="3" creationId="{25D70130-01A4-E809-9DE1-67275CFFB937}"/>
+          </ac:spMkLst>
+        </pc:spChg>
+        <pc:spChg chg="mod">
+          <ac:chgData name="Shiravale, Sahil (Cognizant)" userId="7994c84c-23f1-4e93-aa07-d94b261d8b9d" providerId="ADAL" clId="{BBB3D62B-DFDC-4FA4-BA03-20B2B3E22788}" dt="2025-12-17T09:20:02.804" v="138" actId="1076"/>
+          <ac:spMkLst>
+            <pc:docMk/>
+            <pc:sldMk cId="1612075846" sldId="292"/>
+            <ac:spMk id="4" creationId="{B235619B-EA2C-FADF-DC42-290398895809}"/>
+          </ac:spMkLst>
+        </pc:spChg>
+        <pc:picChg chg="del">
+          <ac:chgData name="Shiravale, Sahil (Cognizant)" userId="7994c84c-23f1-4e93-aa07-d94b261d8b9d" providerId="ADAL" clId="{BBB3D62B-DFDC-4FA4-BA03-20B2B3E22788}" dt="2025-12-17T09:19:34.479" v="106" actId="478"/>
+          <ac:picMkLst>
+            <pc:docMk/>
+            <pc:sldMk cId="1612075846" sldId="292"/>
+            <ac:picMk id="5" creationId="{835B4D2B-2564-111D-D71C-48E1A371E102}"/>
+          </ac:picMkLst>
+        </pc:picChg>
       </pc:sldChg>
     </pc:docChg>
   </pc:docChgLst>
@@ -275,7 +434,7 @@
           <a:p>
             <a:fld id="{1CA5457B-CDAE-4DEB-AEC8-C82DE2312E37}" type="datetimeFigureOut">
               <a:rPr lang="en-US" smtClean="0"/>
-              <a:t>12/16/2025</a:t>
+              <a:t>12/17/2025</a:t>
             </a:fld>
             <a:endParaRPr lang="en-US" dirty="0"/>
           </a:p>
@@ -452,7 +611,7 @@
           <a:p>
             <a:fld id="{090B78EA-28CE-41D8-9043-90E391E5F567}" type="datetimeFigureOut">
               <a:rPr lang="en-US" noProof="0" smtClean="0"/>
-              <a:t>12/16/2025</a:t>
+              <a:t>12/17/2025</a:t>
             </a:fld>
             <a:endParaRPr lang="en-US" noProof="0" dirty="0"/>
           </a:p>
@@ -25551,6 +25710,68 @@
 </p:sld>
 </file>
 
+<file path=ppt/slides/slide10.xml><?xml version="1.0" encoding="utf-8"?>
+<p:sld xmlns:a="http://schemas.openxmlformats.org/drawingml/2006/main" xmlns:r="http://schemas.openxmlformats.org/officeDocument/2006/relationships" xmlns:p="http://schemas.openxmlformats.org/presentationml/2006/main">
+  <p:cSld>
+    <p:spTree>
+      <p:nvGrpSpPr>
+        <p:cNvPr id="1" name=""/>
+        <p:cNvGrpSpPr/>
+        <p:nvPr/>
+      </p:nvGrpSpPr>
+      <p:grpSpPr>
+        <a:xfrm>
+          <a:off x="0" y="0"/>
+          <a:ext cx="0" cy="0"/>
+          <a:chOff x="0" y="0"/>
+          <a:chExt cx="0" cy="0"/>
+        </a:xfrm>
+      </p:grpSpPr>
+      <p:sp>
+        <p:nvSpPr>
+          <p:cNvPr id="2" name="Title 1">
+            <a:extLst>
+              <a:ext uri="{FF2B5EF4-FFF2-40B4-BE49-F238E27FC236}">
+                <a16:creationId xmlns:a16="http://schemas.microsoft.com/office/drawing/2014/main" id="{632BE5BF-9922-45FB-8F3F-4446D40A051B}"/>
+              </a:ext>
+            </a:extLst>
+          </p:cNvPr>
+          <p:cNvSpPr>
+            <a:spLocks noGrp="1"/>
+          </p:cNvSpPr>
+          <p:nvPr>
+            <p:ph type="ctrTitle"/>
+          </p:nvPr>
+        </p:nvSpPr>
+        <p:spPr/>
+        <p:txBody>
+          <a:bodyPr/>
+          <a:lstStyle/>
+          <a:p>
+            <a:r>
+              <a:rPr lang="en-US" dirty="0"/>
+              <a:t>Thank You !!</a:t>
+            </a:r>
+            <a:endParaRPr lang="en-GB" dirty="0"/>
+          </a:p>
+        </p:txBody>
+      </p:sp>
+    </p:spTree>
+    <p:extLst>
+      <p:ext uri="{BB962C8B-B14F-4D97-AF65-F5344CB8AC3E}">
+        <p14:creationId xmlns:p14="http://schemas.microsoft.com/office/powerpoint/2010/main" val="429771863"/>
+      </p:ext>
+    </p:extLst>
+  </p:cSld>
+  <p:clrMapOvr>
+    <a:masterClrMapping/>
+  </p:clrMapOvr>
+  <p:transition spd="slow">
+    <p:wipe/>
+  </p:transition>
+</p:sld>
+</file>
+
 <file path=ppt/slides/slide2.xml><?xml version="1.0" encoding="utf-8"?>
 <p:sld xmlns:a="http://schemas.openxmlformats.org/drawingml/2006/main" xmlns:r="http://schemas.openxmlformats.org/officeDocument/2006/relationships" xmlns:p="http://schemas.openxmlformats.org/presentationml/2006/main">
   <p:cSld>
@@ -26193,13 +26414,13 @@
   <p:clrMapOvr>
     <a:masterClrMapping/>
   </p:clrMapOvr>
-  <mc:AlternateContent xmlns:mc="http://schemas.openxmlformats.org/markup-compatibility/2006">
-    <mc:Choice xmlns:p14="http://schemas.microsoft.com/office/powerpoint/2010/main" Requires="p14">
+  <mc:AlternateContent xmlns:mc="http://schemas.openxmlformats.org/markup-compatibility/2006" xmlns:p14="http://schemas.microsoft.com/office/powerpoint/2010/main">
+    <mc:Choice Requires="p14">
       <p:transition spd="med" p14:dur="700">
         <p:fade/>
       </p:transition>
     </mc:Choice>
-    <mc:Fallback>
+    <mc:Fallback xmlns="">
       <p:transition spd="med">
         <p:fade/>
       </p:transition>
@@ -26522,13 +26743,13 @@
   <p:clrMapOvr>
     <a:masterClrMapping/>
   </p:clrMapOvr>
-  <mc:AlternateContent xmlns:mc="http://schemas.openxmlformats.org/markup-compatibility/2006">
-    <mc:Choice xmlns:p14="http://schemas.microsoft.com/office/powerpoint/2010/main" Requires="p14">
+  <mc:AlternateContent xmlns:mc="http://schemas.openxmlformats.org/markup-compatibility/2006" xmlns:p14="http://schemas.microsoft.com/office/powerpoint/2010/main">
+    <mc:Choice Requires="p14">
       <p:transition spd="med" p14:dur="700">
         <p:fade/>
       </p:transition>
     </mc:Choice>
-    <mc:Fallback>
+    <mc:Fallback xmlns="">
       <p:transition spd="med">
         <p:fade/>
       </p:transition>
@@ -26949,13 +27170,13 @@
   <p:clrMapOvr>
     <a:masterClrMapping/>
   </p:clrMapOvr>
-  <mc:AlternateContent xmlns:mc="http://schemas.openxmlformats.org/markup-compatibility/2006">
-    <mc:Choice xmlns:p14="http://schemas.microsoft.com/office/powerpoint/2010/main" Requires="p14">
+  <mc:AlternateContent xmlns:mc="http://schemas.openxmlformats.org/markup-compatibility/2006" xmlns:p14="http://schemas.microsoft.com/office/powerpoint/2010/main">
+    <mc:Choice Requires="p14">
       <p:transition spd="med" p14:dur="700">
         <p:fade/>
       </p:transition>
     </mc:Choice>
-    <mc:Fallback>
+    <mc:Fallback xmlns="">
       <p:transition spd="med">
         <p:fade/>
       </p:transition>
@@ -26969,7 +27190,13 @@
   <p:cSld>
     <p:spTree>
       <p:nvGrpSpPr>
-        <p:cNvPr id="1" name=""/>
+        <p:cNvPr id="1" name="">
+          <a:extLst>
+            <a:ext uri="{FF2B5EF4-FFF2-40B4-BE49-F238E27FC236}">
+              <a16:creationId xmlns:a16="http://schemas.microsoft.com/office/drawing/2014/main" id="{17EBEE99-ACD3-5964-F135-709F7611EB6E}"/>
+            </a:ext>
+          </a:extLst>
+        </p:cNvPr>
         <p:cNvGrpSpPr/>
         <p:nvPr/>
       </p:nvGrpSpPr>
@@ -26983,10 +27210,10 @@
       </p:grpSpPr>
       <p:sp>
         <p:nvSpPr>
-          <p:cNvPr id="2" name="Title 1">
+          <p:cNvPr id="4" name="Title 3">
             <a:extLst>
               <a:ext uri="{FF2B5EF4-FFF2-40B4-BE49-F238E27FC236}">
-                <a16:creationId xmlns:a16="http://schemas.microsoft.com/office/drawing/2014/main" id="{632BE5BF-9922-45FB-8F3F-4446D40A051B}"/>
+                <a16:creationId xmlns:a16="http://schemas.microsoft.com/office/drawing/2014/main" id="{C7379DD5-B9E8-FEAA-AB63-B26D757F31F6}"/>
               </a:ext>
             </a:extLst>
           </p:cNvPr>
@@ -26994,7 +27221,43 @@
             <a:spLocks noGrp="1"/>
           </p:cNvSpPr>
           <p:nvPr>
-            <p:ph type="ctrTitle"/>
+            <p:ph type="title"/>
+          </p:nvPr>
+        </p:nvSpPr>
+        <p:spPr>
+          <a:xfrm>
+            <a:off x="4187554" y="-251728"/>
+            <a:ext cx="7781544" cy="859055"/>
+          </a:xfrm>
+        </p:spPr>
+        <p:txBody>
+          <a:bodyPr>
+            <a:normAutofit/>
+          </a:bodyPr>
+          <a:lstStyle/>
+          <a:p>
+            <a:r>
+              <a:rPr lang="en-US" sz="3600"/>
+              <a:t>FLOW DIAGRAM</a:t>
+            </a:r>
+            <a:endParaRPr lang="en-US" sz="3600" dirty="0"/>
+          </a:p>
+        </p:txBody>
+      </p:sp>
+      <p:sp>
+        <p:nvSpPr>
+          <p:cNvPr id="2" name="Slide Number Placeholder 1">
+            <a:extLst>
+              <a:ext uri="{FF2B5EF4-FFF2-40B4-BE49-F238E27FC236}">
+                <a16:creationId xmlns:a16="http://schemas.microsoft.com/office/drawing/2014/main" id="{EBCE386B-D669-FBAA-377B-04F9F8F92324}"/>
+              </a:ext>
+            </a:extLst>
+          </p:cNvPr>
+          <p:cNvSpPr>
+            <a:spLocks noGrp="1"/>
+          </p:cNvSpPr>
+          <p:nvPr>
+            <p:ph type="sldNum" sz="quarter" idx="12"/>
           </p:nvPr>
         </p:nvSpPr>
         <p:spPr/>
@@ -27002,27 +27265,664 @@
           <a:bodyPr/>
           <a:lstStyle/>
           <a:p>
-            <a:r>
-              <a:rPr lang="en-US" dirty="0"/>
-              <a:t>Thank You !!</a:t>
-            </a:r>
-            <a:endParaRPr lang="en-GB" dirty="0"/>
+            <a:fld id="{C263D6C4-4840-40CC-AC84-17E24B3B7BDE}" type="slidenum">
+              <a:rPr lang="en-US" smtClean="0"/>
+              <a:pPr/>
+              <a:t>6</a:t>
+            </a:fld>
+            <a:endParaRPr lang="en-US" dirty="0"/>
           </a:p>
         </p:txBody>
       </p:sp>
+      <p:pic>
+        <p:nvPicPr>
+          <p:cNvPr id="5" name="Picture 4">
+            <a:extLst>
+              <a:ext uri="{FF2B5EF4-FFF2-40B4-BE49-F238E27FC236}">
+                <a16:creationId xmlns:a16="http://schemas.microsoft.com/office/drawing/2014/main" id="{7BFED2B1-5F4D-CF5C-5A4E-3480F54EC376}"/>
+              </a:ext>
+            </a:extLst>
+          </p:cNvPr>
+          <p:cNvPicPr>
+            <a:picLocks noChangeAspect="1"/>
+          </p:cNvPicPr>
+          <p:nvPr/>
+        </p:nvPicPr>
+        <p:blipFill>
+          <a:blip r:embed="rId2"/>
+          <a:stretch>
+            <a:fillRect/>
+          </a:stretch>
+        </p:blipFill>
+        <p:spPr>
+          <a:xfrm>
+            <a:off x="0" y="1248838"/>
+            <a:ext cx="12192000" cy="5139551"/>
+          </a:xfrm>
+          <a:prstGeom prst="rect">
+            <a:avLst/>
+          </a:prstGeom>
+        </p:spPr>
+      </p:pic>
     </p:spTree>
     <p:extLst>
       <p:ext uri="{BB962C8B-B14F-4D97-AF65-F5344CB8AC3E}">
-        <p14:creationId xmlns:p14="http://schemas.microsoft.com/office/powerpoint/2010/main" val="429771863"/>
+        <p14:creationId xmlns:p14="http://schemas.microsoft.com/office/powerpoint/2010/main" val="598161385"/>
       </p:ext>
     </p:extLst>
   </p:cSld>
   <p:clrMapOvr>
     <a:masterClrMapping/>
   </p:clrMapOvr>
-  <p:transition spd="slow">
-    <p:wipe/>
-  </p:transition>
+  <mc:AlternateContent xmlns:mc="http://schemas.openxmlformats.org/markup-compatibility/2006" xmlns:p14="http://schemas.microsoft.com/office/powerpoint/2010/main">
+    <mc:Choice Requires="p14">
+      <p:transition spd="med" p14:dur="700">
+        <p:fade/>
+      </p:transition>
+    </mc:Choice>
+    <mc:Fallback xmlns="">
+      <p:transition spd="med">
+        <p:fade/>
+      </p:transition>
+    </mc:Fallback>
+  </mc:AlternateContent>
+</p:sld>
+</file>
+
+<file path=ppt/slides/slide7.xml><?xml version="1.0" encoding="utf-8"?>
+<p:sld xmlns:a="http://schemas.openxmlformats.org/drawingml/2006/main" xmlns:r="http://schemas.openxmlformats.org/officeDocument/2006/relationships" xmlns:p="http://schemas.openxmlformats.org/presentationml/2006/main">
+  <p:cSld>
+    <p:spTree>
+      <p:nvGrpSpPr>
+        <p:cNvPr id="1" name="">
+          <a:extLst>
+            <a:ext uri="{FF2B5EF4-FFF2-40B4-BE49-F238E27FC236}">
+              <a16:creationId xmlns:a16="http://schemas.microsoft.com/office/drawing/2014/main" id="{E1DE6CDD-B660-E730-0B6E-2FD41AEBF283}"/>
+            </a:ext>
+          </a:extLst>
+        </p:cNvPr>
+        <p:cNvGrpSpPr/>
+        <p:nvPr/>
+      </p:nvGrpSpPr>
+      <p:grpSpPr>
+        <a:xfrm>
+          <a:off x="0" y="0"/>
+          <a:ext cx="0" cy="0"/>
+          <a:chOff x="0" y="0"/>
+          <a:chExt cx="0" cy="0"/>
+        </a:xfrm>
+      </p:grpSpPr>
+      <p:sp>
+        <p:nvSpPr>
+          <p:cNvPr id="4" name="Title 3">
+            <a:extLst>
+              <a:ext uri="{FF2B5EF4-FFF2-40B4-BE49-F238E27FC236}">
+                <a16:creationId xmlns:a16="http://schemas.microsoft.com/office/drawing/2014/main" id="{3F0859A1-3006-58D3-15FE-ACE3C00AB762}"/>
+              </a:ext>
+            </a:extLst>
+          </p:cNvPr>
+          <p:cNvSpPr>
+            <a:spLocks noGrp="1"/>
+          </p:cNvSpPr>
+          <p:nvPr>
+            <p:ph type="title"/>
+          </p:nvPr>
+        </p:nvSpPr>
+        <p:spPr>
+          <a:xfrm>
+            <a:off x="3964918" y="-251728"/>
+            <a:ext cx="7781544" cy="859055"/>
+          </a:xfrm>
+        </p:spPr>
+        <p:txBody>
+          <a:bodyPr>
+            <a:normAutofit/>
+          </a:bodyPr>
+          <a:lstStyle/>
+          <a:p>
+            <a:r>
+              <a:rPr lang="en-US" sz="3600" dirty="0"/>
+              <a:t>SEQUENCE DIAGRAM</a:t>
+            </a:r>
+          </a:p>
+        </p:txBody>
+      </p:sp>
+      <p:sp>
+        <p:nvSpPr>
+          <p:cNvPr id="2" name="Slide Number Placeholder 1">
+            <a:extLst>
+              <a:ext uri="{FF2B5EF4-FFF2-40B4-BE49-F238E27FC236}">
+                <a16:creationId xmlns:a16="http://schemas.microsoft.com/office/drawing/2014/main" id="{80A5FBF3-67A4-06A2-58C4-D6F95D27B4FC}"/>
+              </a:ext>
+            </a:extLst>
+          </p:cNvPr>
+          <p:cNvSpPr>
+            <a:spLocks noGrp="1"/>
+          </p:cNvSpPr>
+          <p:nvPr>
+            <p:ph type="sldNum" sz="quarter" idx="12"/>
+          </p:nvPr>
+        </p:nvSpPr>
+        <p:spPr/>
+        <p:txBody>
+          <a:bodyPr/>
+          <a:lstStyle/>
+          <a:p>
+            <a:fld id="{C263D6C4-4840-40CC-AC84-17E24B3B7BDE}" type="slidenum">
+              <a:rPr lang="en-US" smtClean="0"/>
+              <a:pPr/>
+              <a:t>7</a:t>
+            </a:fld>
+            <a:endParaRPr lang="en-US" dirty="0"/>
+          </a:p>
+        </p:txBody>
+      </p:sp>
+      <p:pic>
+        <p:nvPicPr>
+          <p:cNvPr id="6" name="Picture 5" descr="A diagram with colorful squares&#10;&#10;AI-generated content may be incorrect.">
+            <a:extLst>
+              <a:ext uri="{FF2B5EF4-FFF2-40B4-BE49-F238E27FC236}">
+                <a16:creationId xmlns:a16="http://schemas.microsoft.com/office/drawing/2014/main" id="{06D59E00-5D98-18E9-FFE9-4D97D4F4F07E}"/>
+              </a:ext>
+            </a:extLst>
+          </p:cNvPr>
+          <p:cNvPicPr>
+            <a:picLocks noChangeAspect="1"/>
+          </p:cNvPicPr>
+          <p:nvPr/>
+        </p:nvPicPr>
+        <p:blipFill>
+          <a:blip r:embed="rId2"/>
+          <a:stretch>
+            <a:fillRect/>
+          </a:stretch>
+        </p:blipFill>
+        <p:spPr>
+          <a:xfrm>
+            <a:off x="2723319" y="607326"/>
+            <a:ext cx="6618141" cy="6250674"/>
+          </a:xfrm>
+          <a:prstGeom prst="rect">
+            <a:avLst/>
+          </a:prstGeom>
+        </p:spPr>
+      </p:pic>
+    </p:spTree>
+    <p:extLst>
+      <p:ext uri="{BB962C8B-B14F-4D97-AF65-F5344CB8AC3E}">
+        <p14:creationId xmlns:p14="http://schemas.microsoft.com/office/powerpoint/2010/main" val="872466471"/>
+      </p:ext>
+    </p:extLst>
+  </p:cSld>
+  <p:clrMapOvr>
+    <a:masterClrMapping/>
+  </p:clrMapOvr>
+  <mc:AlternateContent xmlns:mc="http://schemas.openxmlformats.org/markup-compatibility/2006" xmlns:p14="http://schemas.microsoft.com/office/powerpoint/2010/main">
+    <mc:Choice Requires="p14">
+      <p:transition spd="med" p14:dur="700">
+        <p:fade/>
+      </p:transition>
+    </mc:Choice>
+    <mc:Fallback xmlns="">
+      <p:transition spd="med">
+        <p:fade/>
+      </p:transition>
+    </mc:Fallback>
+  </mc:AlternateContent>
+</p:sld>
+</file>
+
+<file path=ppt/slides/slide8.xml><?xml version="1.0" encoding="utf-8"?>
+<p:sld xmlns:a="http://schemas.openxmlformats.org/drawingml/2006/main" xmlns:r="http://schemas.openxmlformats.org/officeDocument/2006/relationships" xmlns:p="http://schemas.openxmlformats.org/presentationml/2006/main">
+  <p:cSld>
+    <p:spTree>
+      <p:nvGrpSpPr>
+        <p:cNvPr id="1" name="">
+          <a:extLst>
+            <a:ext uri="{FF2B5EF4-FFF2-40B4-BE49-F238E27FC236}">
+              <a16:creationId xmlns:a16="http://schemas.microsoft.com/office/drawing/2014/main" id="{653A8A60-9F8E-A980-9F1B-1162C68250D8}"/>
+            </a:ext>
+          </a:extLst>
+        </p:cNvPr>
+        <p:cNvGrpSpPr/>
+        <p:nvPr/>
+      </p:nvGrpSpPr>
+      <p:grpSpPr>
+        <a:xfrm>
+          <a:off x="0" y="0"/>
+          <a:ext cx="0" cy="0"/>
+          <a:chOff x="0" y="0"/>
+          <a:chExt cx="0" cy="0"/>
+        </a:xfrm>
+      </p:grpSpPr>
+      <p:sp>
+        <p:nvSpPr>
+          <p:cNvPr id="4" name="Title 3">
+            <a:extLst>
+              <a:ext uri="{FF2B5EF4-FFF2-40B4-BE49-F238E27FC236}">
+                <a16:creationId xmlns:a16="http://schemas.microsoft.com/office/drawing/2014/main" id="{9988F25D-B7C2-59FC-67D2-E1E5D607A0A9}"/>
+              </a:ext>
+            </a:extLst>
+          </p:cNvPr>
+          <p:cNvSpPr>
+            <a:spLocks noGrp="1"/>
+          </p:cNvSpPr>
+          <p:nvPr>
+            <p:ph type="title"/>
+          </p:nvPr>
+        </p:nvSpPr>
+        <p:spPr>
+          <a:xfrm>
+            <a:off x="3297008" y="-339192"/>
+            <a:ext cx="7781544" cy="859055"/>
+          </a:xfrm>
+        </p:spPr>
+        <p:txBody>
+          <a:bodyPr>
+            <a:normAutofit/>
+          </a:bodyPr>
+          <a:lstStyle/>
+          <a:p>
+            <a:r>
+              <a:rPr lang="en-US" sz="3600" dirty="0"/>
+              <a:t>ARCHITECTURE DIAGRAM</a:t>
+            </a:r>
+          </a:p>
+        </p:txBody>
+      </p:sp>
+      <p:sp>
+        <p:nvSpPr>
+          <p:cNvPr id="2" name="Slide Number Placeholder 1">
+            <a:extLst>
+              <a:ext uri="{FF2B5EF4-FFF2-40B4-BE49-F238E27FC236}">
+                <a16:creationId xmlns:a16="http://schemas.microsoft.com/office/drawing/2014/main" id="{FB29EBC1-8B3C-8332-DF30-CC59EDA38263}"/>
+              </a:ext>
+            </a:extLst>
+          </p:cNvPr>
+          <p:cNvSpPr>
+            <a:spLocks noGrp="1"/>
+          </p:cNvSpPr>
+          <p:nvPr>
+            <p:ph type="sldNum" sz="quarter" idx="12"/>
+          </p:nvPr>
+        </p:nvSpPr>
+        <p:spPr/>
+        <p:txBody>
+          <a:bodyPr/>
+          <a:lstStyle/>
+          <a:p>
+            <a:fld id="{C263D6C4-4840-40CC-AC84-17E24B3B7BDE}" type="slidenum">
+              <a:rPr lang="en-US" smtClean="0"/>
+              <a:pPr/>
+              <a:t>8</a:t>
+            </a:fld>
+            <a:endParaRPr lang="en-US" dirty="0"/>
+          </a:p>
+        </p:txBody>
+      </p:sp>
+      <p:pic>
+        <p:nvPicPr>
+          <p:cNvPr id="5" name="Picture 4" descr="A diagram of a software company&#10;&#10;AI-generated content may be incorrect.">
+            <a:extLst>
+              <a:ext uri="{FF2B5EF4-FFF2-40B4-BE49-F238E27FC236}">
+                <a16:creationId xmlns:a16="http://schemas.microsoft.com/office/drawing/2014/main" id="{D1DC67BB-EC39-AE02-A6F0-AE0EF5EC7735}"/>
+              </a:ext>
+            </a:extLst>
+          </p:cNvPr>
+          <p:cNvPicPr>
+            <a:picLocks noChangeAspect="1"/>
+          </p:cNvPicPr>
+          <p:nvPr/>
+        </p:nvPicPr>
+        <p:blipFill>
+          <a:blip r:embed="rId2"/>
+          <a:stretch>
+            <a:fillRect/>
+          </a:stretch>
+        </p:blipFill>
+        <p:spPr>
+          <a:xfrm>
+            <a:off x="3007502" y="453224"/>
+            <a:ext cx="6176996" cy="6404776"/>
+          </a:xfrm>
+          <a:prstGeom prst="rect">
+            <a:avLst/>
+          </a:prstGeom>
+        </p:spPr>
+      </p:pic>
+    </p:spTree>
+    <p:extLst>
+      <p:ext uri="{BB962C8B-B14F-4D97-AF65-F5344CB8AC3E}">
+        <p14:creationId xmlns:p14="http://schemas.microsoft.com/office/powerpoint/2010/main" val="70016874"/>
+      </p:ext>
+    </p:extLst>
+  </p:cSld>
+  <p:clrMapOvr>
+    <a:masterClrMapping/>
+  </p:clrMapOvr>
+  <mc:AlternateContent xmlns:mc="http://schemas.openxmlformats.org/markup-compatibility/2006" xmlns:p14="http://schemas.microsoft.com/office/powerpoint/2010/main">
+    <mc:Choice Requires="p14">
+      <p:transition spd="med" p14:dur="700">
+        <p:fade/>
+      </p:transition>
+    </mc:Choice>
+    <mc:Fallback xmlns="">
+      <p:transition spd="med">
+        <p:fade/>
+      </p:transition>
+    </mc:Fallback>
+  </mc:AlternateContent>
+</p:sld>
+</file>
+
+<file path=ppt/slides/slide9.xml><?xml version="1.0" encoding="utf-8"?>
+<p:sld xmlns:a="http://schemas.openxmlformats.org/drawingml/2006/main" xmlns:r="http://schemas.openxmlformats.org/officeDocument/2006/relationships" xmlns:p="http://schemas.openxmlformats.org/presentationml/2006/main">
+  <p:cSld>
+    <p:spTree>
+      <p:nvGrpSpPr>
+        <p:cNvPr id="1" name="">
+          <a:extLst>
+            <a:ext uri="{FF2B5EF4-FFF2-40B4-BE49-F238E27FC236}">
+              <a16:creationId xmlns:a16="http://schemas.microsoft.com/office/drawing/2014/main" id="{97796445-E615-95B8-A50F-BE3531CEEEBB}"/>
+            </a:ext>
+          </a:extLst>
+        </p:cNvPr>
+        <p:cNvGrpSpPr/>
+        <p:nvPr/>
+      </p:nvGrpSpPr>
+      <p:grpSpPr>
+        <a:xfrm>
+          <a:off x="0" y="0"/>
+          <a:ext cx="0" cy="0"/>
+          <a:chOff x="0" y="0"/>
+          <a:chExt cx="0" cy="0"/>
+        </a:xfrm>
+      </p:grpSpPr>
+      <p:sp>
+        <p:nvSpPr>
+          <p:cNvPr id="4" name="Title 3">
+            <a:extLst>
+              <a:ext uri="{FF2B5EF4-FFF2-40B4-BE49-F238E27FC236}">
+                <a16:creationId xmlns:a16="http://schemas.microsoft.com/office/drawing/2014/main" id="{B235619B-EA2C-FADF-DC42-290398895809}"/>
+              </a:ext>
+            </a:extLst>
+          </p:cNvPr>
+          <p:cNvSpPr>
+            <a:spLocks noGrp="1"/>
+          </p:cNvSpPr>
+          <p:nvPr>
+            <p:ph type="title"/>
+          </p:nvPr>
+        </p:nvSpPr>
+        <p:spPr>
+          <a:xfrm>
+            <a:off x="3575304" y="-307387"/>
+            <a:ext cx="7781544" cy="859055"/>
+          </a:xfrm>
+        </p:spPr>
+        <p:txBody>
+          <a:bodyPr>
+            <a:normAutofit/>
+          </a:bodyPr>
+          <a:lstStyle/>
+          <a:p>
+            <a:r>
+              <a:rPr lang="en-US" sz="3600" dirty="0"/>
+              <a:t>TECHNOLOGY STACK</a:t>
+            </a:r>
+          </a:p>
+        </p:txBody>
+      </p:sp>
+      <p:sp>
+        <p:nvSpPr>
+          <p:cNvPr id="2" name="Slide Number Placeholder 1">
+            <a:extLst>
+              <a:ext uri="{FF2B5EF4-FFF2-40B4-BE49-F238E27FC236}">
+                <a16:creationId xmlns:a16="http://schemas.microsoft.com/office/drawing/2014/main" id="{F026136D-1900-0B80-B26F-0F50B911EA94}"/>
+              </a:ext>
+            </a:extLst>
+          </p:cNvPr>
+          <p:cNvSpPr>
+            <a:spLocks noGrp="1"/>
+          </p:cNvSpPr>
+          <p:nvPr>
+            <p:ph type="sldNum" sz="quarter" idx="12"/>
+          </p:nvPr>
+        </p:nvSpPr>
+        <p:spPr/>
+        <p:txBody>
+          <a:bodyPr/>
+          <a:lstStyle/>
+          <a:p>
+            <a:fld id="{C263D6C4-4840-40CC-AC84-17E24B3B7BDE}" type="slidenum">
+              <a:rPr lang="en-US" smtClean="0"/>
+              <a:pPr/>
+              <a:t>9</a:t>
+            </a:fld>
+            <a:endParaRPr lang="en-US" dirty="0"/>
+          </a:p>
+        </p:txBody>
+      </p:sp>
+      <p:sp>
+        <p:nvSpPr>
+          <p:cNvPr id="3" name="TextBox 2">
+            <a:extLst>
+              <a:ext uri="{FF2B5EF4-FFF2-40B4-BE49-F238E27FC236}">
+                <a16:creationId xmlns:a16="http://schemas.microsoft.com/office/drawing/2014/main" id="{25D70130-01A4-E809-9DE1-67275CFFB937}"/>
+              </a:ext>
+            </a:extLst>
+          </p:cNvPr>
+          <p:cNvSpPr txBox="1"/>
+          <p:nvPr/>
+        </p:nvSpPr>
+        <p:spPr>
+          <a:xfrm>
+            <a:off x="851982" y="1669774"/>
+            <a:ext cx="5446643" cy="3785652"/>
+          </a:xfrm>
+          <a:prstGeom prst="rect">
+            <a:avLst/>
+          </a:prstGeom>
+          <a:noFill/>
+        </p:spPr>
+        <p:txBody>
+          <a:bodyPr wrap="square" rtlCol="0">
+            <a:spAutoFit/>
+          </a:bodyPr>
+          <a:lstStyle/>
+          <a:p>
+            <a:pPr marL="285750" indent="-285750" algn="just">
+              <a:buFont typeface="Wingdings" panose="05000000000000000000" pitchFamily="2" charset="2"/>
+              <a:buChar char="q"/>
+            </a:pPr>
+            <a:r>
+              <a:rPr lang="en-US" sz="1600" dirty="0">
+                <a:solidFill>
+                  <a:schemeClr val="bg1"/>
+                </a:solidFill>
+              </a:rPr>
+              <a:t>Frontend: </a:t>
+            </a:r>
+            <a:r>
+              <a:rPr lang="en-US" sz="1600" b="1" dirty="0">
+                <a:solidFill>
+                  <a:schemeClr val="bg1"/>
+                </a:solidFill>
+              </a:rPr>
+              <a:t>Angular</a:t>
+            </a:r>
+            <a:r>
+              <a:rPr lang="en-US" sz="1600" dirty="0">
+                <a:solidFill>
+                  <a:schemeClr val="bg1"/>
+                </a:solidFill>
+              </a:rPr>
+              <a:t> – Builds responsive, role-based dashboards for employees and managers</a:t>
+            </a:r>
+          </a:p>
+          <a:p>
+            <a:pPr algn="just"/>
+            <a:endParaRPr lang="en-US" sz="1600" dirty="0">
+              <a:solidFill>
+                <a:schemeClr val="bg1"/>
+              </a:solidFill>
+            </a:endParaRPr>
+          </a:p>
+          <a:p>
+            <a:pPr marL="285750" indent="-285750" algn="just">
+              <a:buFont typeface="Wingdings" panose="05000000000000000000" pitchFamily="2" charset="2"/>
+              <a:buChar char="q"/>
+            </a:pPr>
+            <a:endParaRPr lang="en-US" sz="1600" dirty="0">
+              <a:solidFill>
+                <a:schemeClr val="bg1"/>
+              </a:solidFill>
+            </a:endParaRPr>
+          </a:p>
+          <a:p>
+            <a:pPr marL="285750" indent="-285750" algn="just">
+              <a:buFont typeface="Wingdings" panose="05000000000000000000" pitchFamily="2" charset="2"/>
+              <a:buChar char="q"/>
+            </a:pPr>
+            <a:r>
+              <a:rPr lang="en-US" sz="1600" dirty="0">
+                <a:solidFill>
+                  <a:schemeClr val="bg1"/>
+                </a:solidFill>
+              </a:rPr>
+              <a:t>Backend: </a:t>
+            </a:r>
+            <a:r>
+              <a:rPr lang="en-US" sz="1600" b="1" dirty="0">
+                <a:solidFill>
+                  <a:schemeClr val="bg1"/>
+                </a:solidFill>
+              </a:rPr>
+              <a:t>Spring Boot </a:t>
+            </a:r>
+            <a:r>
+              <a:rPr lang="en-US" sz="1600" dirty="0">
+                <a:solidFill>
+                  <a:schemeClr val="bg1"/>
+                </a:solidFill>
+              </a:rPr>
+              <a:t>– Handles business logic and exposes REST APIs for LRMS modules</a:t>
+            </a:r>
+          </a:p>
+          <a:p>
+            <a:pPr algn="just"/>
+            <a:endParaRPr lang="en-US" sz="1600" dirty="0">
+              <a:solidFill>
+                <a:schemeClr val="bg1"/>
+              </a:solidFill>
+            </a:endParaRPr>
+          </a:p>
+          <a:p>
+            <a:pPr marL="285750" indent="-285750" algn="just">
+              <a:buFont typeface="Wingdings" panose="05000000000000000000" pitchFamily="2" charset="2"/>
+              <a:buChar char="q"/>
+            </a:pPr>
+            <a:endParaRPr lang="en-US" sz="1600" dirty="0">
+              <a:solidFill>
+                <a:schemeClr val="bg1"/>
+              </a:solidFill>
+            </a:endParaRPr>
+          </a:p>
+          <a:p>
+            <a:pPr marL="285750" indent="-285750" algn="just">
+              <a:buFont typeface="Wingdings" panose="05000000000000000000" pitchFamily="2" charset="2"/>
+              <a:buChar char="q"/>
+            </a:pPr>
+            <a:r>
+              <a:rPr lang="en-US" sz="1600" dirty="0">
+                <a:solidFill>
+                  <a:schemeClr val="bg1"/>
+                </a:solidFill>
+              </a:rPr>
+              <a:t>Database: </a:t>
+            </a:r>
+            <a:r>
+              <a:rPr lang="en-US" sz="1600" b="1" dirty="0">
+                <a:solidFill>
+                  <a:schemeClr val="bg1"/>
+                </a:solidFill>
+              </a:rPr>
+              <a:t>MySQL</a:t>
+            </a:r>
+            <a:r>
+              <a:rPr lang="en-US" sz="1600" dirty="0">
+                <a:solidFill>
+                  <a:schemeClr val="bg1"/>
+                </a:solidFill>
+              </a:rPr>
+              <a:t> – Stores user, leave, approval, and historical data securely</a:t>
+            </a:r>
+          </a:p>
+          <a:p>
+            <a:pPr algn="just"/>
+            <a:endParaRPr lang="en-US" sz="1600" dirty="0">
+              <a:solidFill>
+                <a:schemeClr val="bg1"/>
+              </a:solidFill>
+            </a:endParaRPr>
+          </a:p>
+          <a:p>
+            <a:pPr marL="285750" indent="-285750" algn="just">
+              <a:buFont typeface="Wingdings" panose="05000000000000000000" pitchFamily="2" charset="2"/>
+              <a:buChar char="q"/>
+            </a:pPr>
+            <a:endParaRPr lang="en-US" sz="1600" dirty="0">
+              <a:solidFill>
+                <a:schemeClr val="bg1"/>
+              </a:solidFill>
+            </a:endParaRPr>
+          </a:p>
+          <a:p>
+            <a:pPr marL="285750" indent="-285750" algn="just">
+              <a:buFont typeface="Wingdings" panose="05000000000000000000" pitchFamily="2" charset="2"/>
+              <a:buChar char="q"/>
+            </a:pPr>
+            <a:r>
+              <a:rPr lang="en-US" sz="1600" dirty="0">
+                <a:solidFill>
+                  <a:schemeClr val="bg1"/>
+                </a:solidFill>
+              </a:rPr>
+              <a:t>Security: JWT Authentication, Role-Based Authorization, Secure APIs, and Data Protection</a:t>
+            </a:r>
+          </a:p>
+          <a:p>
+            <a:pPr algn="just"/>
+            <a:endParaRPr lang="en-US" sz="1600" dirty="0">
+              <a:solidFill>
+                <a:schemeClr val="bg1"/>
+              </a:solidFill>
+            </a:endParaRPr>
+          </a:p>
+        </p:txBody>
+      </p:sp>
+    </p:spTree>
+    <p:extLst>
+      <p:ext uri="{BB962C8B-B14F-4D97-AF65-F5344CB8AC3E}">
+        <p14:creationId xmlns:p14="http://schemas.microsoft.com/office/powerpoint/2010/main" val="1612075846"/>
+      </p:ext>
+    </p:extLst>
+  </p:cSld>
+  <p:clrMapOvr>
+    <a:masterClrMapping/>
+  </p:clrMapOvr>
+  <mc:AlternateContent xmlns:mc="http://schemas.openxmlformats.org/markup-compatibility/2006" xmlns:p14="http://schemas.microsoft.com/office/powerpoint/2010/main">
+    <mc:Choice Requires="p14">
+      <p:transition spd="med" p14:dur="700">
+        <p:fade/>
+      </p:transition>
+    </mc:Choice>
+    <mc:Fallback xmlns="">
+      <p:transition spd="med">
+        <p:fade/>
+      </p:transition>
+    </mc:Fallback>
+  </mc:AlternateContent>
 </p:sld>
 </file>
 
